--- a/.lessons/11 ROUTES/3 Naming routes/naming routes.pptx
+++ b/.lessons/11 ROUTES/3 Naming routes/naming routes.pptx
@@ -5,11 +5,11 @@
     <p:sldMasterId id="2147483648" r:id="rId1"/>
   </p:sldMasterIdLst>
   <p:sldIdLst>
-    <p:sldId id="313" r:id="rId2"/>
-    <p:sldId id="314" r:id="rId3"/>
-    <p:sldId id="316" r:id="rId4"/>
-    <p:sldId id="317" r:id="rId5"/>
-    <p:sldId id="315" r:id="rId6"/>
+    <p:sldId id="314" r:id="rId2"/>
+    <p:sldId id="316" r:id="rId3"/>
+    <p:sldId id="317" r:id="rId4"/>
+    <p:sldId id="315" r:id="rId5"/>
+    <p:sldId id="320" r:id="rId6"/>
   </p:sldIdLst>
   <p:sldSz cx="12192000" cy="6858000"/>
   <p:notesSz cx="6858000" cy="9144000"/>
@@ -3321,7 +3321,7 @@
         <p:cNvPr id="1" name="">
           <a:extLst>
             <a:ext uri="{FF2B5EF4-FFF2-40B4-BE49-F238E27FC236}">
-              <a16:creationId xmlns:a16="http://schemas.microsoft.com/office/drawing/2014/main" id="{BEBEAFDE-3E59-3B83-7B9D-E57AFEC39C14}"/>
+              <a16:creationId xmlns:a16="http://schemas.microsoft.com/office/drawing/2014/main" id="{6EC2AF69-A0C0-ED25-5250-43DD8431B44C}"/>
             </a:ext>
           </a:extLst>
         </p:cNvPr>
@@ -3341,7 +3341,7 @@
           <p:cNvPr id="3" name="TextBox 2">
             <a:extLst>
               <a:ext uri="{FF2B5EF4-FFF2-40B4-BE49-F238E27FC236}">
-                <a16:creationId xmlns:a16="http://schemas.microsoft.com/office/drawing/2014/main" id="{DFCE0867-85D2-7751-0512-C6B90C22A778}"/>
+                <a16:creationId xmlns:a16="http://schemas.microsoft.com/office/drawing/2014/main" id="{54061372-74CA-B894-FABE-83849978FF36}"/>
               </a:ext>
             </a:extLst>
           </p:cNvPr>
@@ -3350,8 +3350,8 @@
         </p:nvSpPr>
         <p:spPr>
           <a:xfrm>
-            <a:off x="217714" y="255046"/>
-            <a:ext cx="5212125" cy="3023328"/>
+            <a:off x="217713" y="255046"/>
+            <a:ext cx="6032257" cy="4885376"/>
           </a:xfrm>
           <a:prstGeom prst="rect">
             <a:avLst/>
@@ -3364,39 +3364,181 @@
           </a:bodyPr>
           <a:lstStyle/>
           <a:p>
-            <a:pPr marL="228600" indent="-228600">
+            <a:pPr>
               <a:lnSpc>
                 <a:spcPct val="150000"/>
               </a:lnSpc>
-              <a:buFont typeface="+mj-lt"/>
-              <a:buAutoNum type="arabicPeriod"/>
+              <a:buNone/>
             </a:pPr>
             <a:r>
-              <a:rPr lang="en-US" sz="1100" b="1">
+              <a:rPr kumimoji="0" lang="en-US" altLang="en-US" sz="1100" b="0" i="0" u="none" strike="noStrike" cap="none" normalizeH="0" baseline="0">
+                <a:ln>
+                  <a:noFill/>
+                </a:ln>
+                <a:solidFill>
+                  <a:schemeClr val="tx1"/>
+                </a:solidFill>
+                <a:effectLst/>
+                <a:latin typeface="Arial" panose="020B0604020202020204" pitchFamily="34" charset="0"/>
+                <a:cs typeface="Arial" panose="020B0604020202020204" pitchFamily="34" charset="0"/>
+              </a:rPr>
+              <a:t>1) </a:t>
+            </a:r>
+            <a:r>
+              <a:rPr kumimoji="0" lang="en-US" altLang="en-US" sz="1100" b="1" i="0" u="none" strike="noStrike" cap="none" normalizeH="0" baseline="0">
+                <a:ln>
+                  <a:noFill/>
+                </a:ln>
                 <a:solidFill>
                   <a:srgbClr val="FF0000"/>
                 </a:solidFill>
-                <a:latin typeface="Arial" panose="020B0604020202020204" pitchFamily="34" charset="0"/>
-                <a:cs typeface="Arial" panose="020B0604020202020204" pitchFamily="34" charset="0"/>
-              </a:rPr>
-              <a:t>Route::get('home', function () { ... });</a:t>
-            </a:r>
-            <a:endParaRPr lang="az-Latn-AZ" sz="1100" b="1">
-              <a:solidFill>
-                <a:srgbClr val="FF0000"/>
-              </a:solidFill>
-              <a:latin typeface="Arial" panose="020B0604020202020204" pitchFamily="34" charset="0"/>
-              <a:cs typeface="Arial" panose="020B0604020202020204" pitchFamily="34" charset="0"/>
-            </a:endParaRPr>
-          </a:p>
-          <a:p>
-            <a:pPr marL="342900" indent="-342900">
-              <a:lnSpc>
-                <a:spcPct val="150000"/>
-              </a:lnSpc>
-              <a:buAutoNum type="arabicParenR"/>
-            </a:pPr>
-            <a:endParaRPr kumimoji="0" lang="az-Latn-AZ" altLang="en-US" sz="1100" b="0" i="0" u="none" strike="noStrike" cap="none" normalizeH="0" baseline="0">
+                <a:effectLst/>
+                <a:latin typeface="Arial" panose="020B0604020202020204" pitchFamily="34" charset="0"/>
+                <a:cs typeface="Arial" panose="020B0604020202020204" pitchFamily="34" charset="0"/>
+              </a:rPr>
+              <a:t>-&gt;name('</a:t>
+            </a:r>
+            <a:r>
+              <a:rPr lang="en-US" sz="1100" b="1">
+                <a:latin typeface="Arial" panose="020B0604020202020204" pitchFamily="34" charset="0"/>
+                <a:cs typeface="Arial" panose="020B0604020202020204" pitchFamily="34" charset="0"/>
+              </a:rPr>
+              <a:t>example</a:t>
+            </a:r>
+            <a:r>
+              <a:rPr kumimoji="0" lang="en-US" altLang="en-US" sz="1100" b="1" i="0" u="none" strike="noStrike" cap="none" normalizeH="0" baseline="0">
+                <a:ln>
+                  <a:noFill/>
+                </a:ln>
+                <a:solidFill>
+                  <a:srgbClr val="FF0000"/>
+                </a:solidFill>
+                <a:effectLst/>
+                <a:latin typeface="Arial" panose="020B0604020202020204" pitchFamily="34" charset="0"/>
+                <a:cs typeface="Arial" panose="020B0604020202020204" pitchFamily="34" charset="0"/>
+              </a:rPr>
+              <a:t>') </a:t>
+            </a:r>
+            <a:r>
+              <a:rPr kumimoji="0" lang="en-US" altLang="en-US" sz="1100" b="0" i="0" u="none" strike="noStrike" cap="none" normalizeH="0" baseline="0">
+                <a:ln>
+                  <a:noFill/>
+                </a:ln>
+                <a:solidFill>
+                  <a:schemeClr val="tx1"/>
+                </a:solidFill>
+                <a:effectLst/>
+                <a:latin typeface="Arial" panose="020B0604020202020204" pitchFamily="34" charset="0"/>
+                <a:cs typeface="Arial" panose="020B0604020202020204" pitchFamily="34" charset="0"/>
+              </a:rPr>
+              <a:t>— Route Adlandırılması</a:t>
+            </a:r>
+            <a:r>
+              <a:rPr kumimoji="0" lang="az-Latn-AZ" altLang="en-US" sz="1100" b="0" i="0" u="none" strike="noStrike" cap="none" normalizeH="0" baseline="0">
+                <a:ln>
+                  <a:noFill/>
+                </a:ln>
+                <a:solidFill>
+                  <a:schemeClr val="tx1"/>
+                </a:solidFill>
+                <a:effectLst/>
+                <a:latin typeface="Arial" panose="020B0604020202020204" pitchFamily="34" charset="0"/>
+                <a:cs typeface="Arial" panose="020B0604020202020204" pitchFamily="34" charset="0"/>
+              </a:rPr>
+              <a:t>. Bu </a:t>
+            </a:r>
+            <a:r>
+              <a:rPr lang="az-Latn-AZ" sz="1100">
+                <a:latin typeface="Arial" panose="020B0604020202020204" pitchFamily="34" charset="0"/>
+                <a:cs typeface="Arial" panose="020B0604020202020204" pitchFamily="34" charset="0"/>
+              </a:rPr>
+              <a:t>cür</a:t>
+            </a:r>
+            <a:r>
+              <a:rPr lang="en-US" sz="1100">
+                <a:latin typeface="Arial" panose="020B0604020202020204" pitchFamily="34" charset="0"/>
+                <a:cs typeface="Arial" panose="020B0604020202020204" pitchFamily="34" charset="0"/>
+              </a:rPr>
+              <a:t> yazdıqda, həmin route-a </a:t>
+            </a:r>
+            <a:r>
+              <a:rPr lang="en-US" sz="1100" b="1">
+                <a:latin typeface="Arial" panose="020B0604020202020204" pitchFamily="34" charset="0"/>
+                <a:cs typeface="Arial" panose="020B0604020202020204" pitchFamily="34" charset="0"/>
+              </a:rPr>
+              <a:t>ad verilir</a:t>
+            </a:r>
+            <a:r>
+              <a:rPr lang="en-US" sz="1100">
+                <a:latin typeface="Arial" panose="020B0604020202020204" pitchFamily="34" charset="0"/>
+                <a:cs typeface="Arial" panose="020B0604020202020204" pitchFamily="34" charset="0"/>
+              </a:rPr>
+              <a:t>. Bu </a:t>
+            </a:r>
+            <a:r>
+              <a:rPr lang="az-Latn-AZ" sz="1100" b="1">
+                <a:latin typeface="Arial" panose="020B0604020202020204" pitchFamily="34" charset="0"/>
+                <a:cs typeface="Arial" panose="020B0604020202020204" pitchFamily="34" charset="0"/>
+              </a:rPr>
+              <a:t>name</a:t>
+            </a:r>
+            <a:r>
+              <a:rPr lang="en-US" sz="1100">
+                <a:latin typeface="Arial" panose="020B0604020202020204" pitchFamily="34" charset="0"/>
+                <a:cs typeface="Arial" panose="020B0604020202020204" pitchFamily="34" charset="0"/>
+              </a:rPr>
+              <a:t> sayəsində </a:t>
+            </a:r>
+            <a:r>
+              <a:rPr lang="en-US" sz="1100" b="1">
+                <a:latin typeface="Arial" panose="020B0604020202020204" pitchFamily="34" charset="0"/>
+                <a:cs typeface="Arial" panose="020B0604020202020204" pitchFamily="34" charset="0"/>
+              </a:rPr>
+              <a:t>route</a:t>
+            </a:r>
+            <a:r>
+              <a:rPr lang="en-US" sz="1100">
+                <a:latin typeface="Arial" panose="020B0604020202020204" pitchFamily="34" charset="0"/>
+                <a:cs typeface="Arial" panose="020B0604020202020204" pitchFamily="34" charset="0"/>
+              </a:rPr>
+              <a:t>-a </a:t>
+            </a:r>
+            <a:r>
+              <a:rPr lang="en-US" sz="1100" b="1">
+                <a:latin typeface="Arial" panose="020B0604020202020204" pitchFamily="34" charset="0"/>
+                <a:cs typeface="Arial" panose="020B0604020202020204" pitchFamily="34" charset="0"/>
+              </a:rPr>
+              <a:t>URL</a:t>
+            </a:r>
+            <a:r>
+              <a:rPr lang="en-US" sz="1100">
+                <a:latin typeface="Arial" panose="020B0604020202020204" pitchFamily="34" charset="0"/>
+                <a:cs typeface="Arial" panose="020B0604020202020204" pitchFamily="34" charset="0"/>
+              </a:rPr>
+              <a:t> yazmadan, </a:t>
+            </a:r>
+            <a:r>
+              <a:rPr lang="az-Latn-AZ" sz="1100" b="1">
+                <a:latin typeface="Arial" panose="020B0604020202020204" pitchFamily="34" charset="0"/>
+                <a:cs typeface="Arial" panose="020B0604020202020204" pitchFamily="34" charset="0"/>
+              </a:rPr>
+              <a:t>name</a:t>
+            </a:r>
+            <a:r>
+              <a:rPr lang="en-US" sz="1100" b="1">
+                <a:latin typeface="Arial" panose="020B0604020202020204" pitchFamily="34" charset="0"/>
+                <a:cs typeface="Arial" panose="020B0604020202020204" pitchFamily="34" charset="0"/>
+              </a:rPr>
+              <a:t> </a:t>
+            </a:r>
+            <a:r>
+              <a:rPr lang="en-US" sz="1100">
+                <a:latin typeface="Arial" panose="020B0604020202020204" pitchFamily="34" charset="0"/>
+                <a:cs typeface="Arial" panose="020B0604020202020204" pitchFamily="34" charset="0"/>
+              </a:rPr>
+              <a:t>ilə müraciət edə bilirik.</a:t>
+            </a:r>
+            <a:endParaRPr kumimoji="0" lang="en-US" altLang="en-US" sz="1100" b="0" i="0" u="none" strike="noStrike" cap="none" normalizeH="0" baseline="0">
               <a:ln>
                 <a:noFill/>
               </a:ln>
@@ -3414,14 +3556,18 @@
                 <a:spcPct val="150000"/>
               </a:lnSpc>
             </a:pPr>
-            <a:endParaRPr kumimoji="0" lang="en-US" altLang="en-US" sz="1100" b="0" i="0" u="none" strike="noStrike" cap="none" normalizeH="0" baseline="0">
-              <a:ln>
-                <a:noFill/>
-              </a:ln>
-              <a:solidFill>
-                <a:schemeClr val="tx1"/>
-              </a:solidFill>
-              <a:effectLst/>
+            <a:endParaRPr lang="az-Latn-AZ" sz="1100">
+              <a:latin typeface="Arial" panose="020B0604020202020204" pitchFamily="34" charset="0"/>
+              <a:cs typeface="Arial" panose="020B0604020202020204" pitchFamily="34" charset="0"/>
+            </a:endParaRPr>
+          </a:p>
+          <a:p>
+            <a:pPr>
+              <a:lnSpc>
+                <a:spcPct val="150000"/>
+              </a:lnSpc>
+            </a:pPr>
+            <a:endParaRPr lang="az-Latn-AZ" sz="1100">
               <a:latin typeface="Arial" panose="020B0604020202020204" pitchFamily="34" charset="0"/>
               <a:cs typeface="Arial" panose="020B0604020202020204" pitchFamily="34" charset="0"/>
             </a:endParaRPr>
@@ -3455,7 +3601,7 @@
                 <a:latin typeface="Arial" panose="020B0604020202020204" pitchFamily="34" charset="0"/>
                 <a:cs typeface="Arial" panose="020B0604020202020204" pitchFamily="34" charset="0"/>
               </a:rPr>
-              <a:t>Bu route </a:t>
+              <a:t>URL: </a:t>
             </a:r>
             <a:r>
               <a:rPr kumimoji="0" lang="en-US" altLang="en-US" sz="1100" b="1" i="0" u="none" strike="noStrike" cap="none" normalizeH="0" baseline="0">
@@ -3469,21 +3615,7 @@
                 <a:latin typeface="Arial" panose="020B0604020202020204" pitchFamily="34" charset="0"/>
                 <a:cs typeface="Arial" panose="020B0604020202020204" pitchFamily="34" charset="0"/>
               </a:rPr>
-              <a:t>/home </a:t>
-            </a:r>
-            <a:r>
-              <a:rPr kumimoji="0" lang="en-US" altLang="en-US" sz="1100" b="0" i="0" u="none" strike="noStrike" cap="none" normalizeH="0" baseline="0">
-                <a:ln>
-                  <a:noFill/>
-                </a:ln>
-                <a:solidFill>
-                  <a:schemeClr val="tx1"/>
-                </a:solidFill>
-                <a:effectLst/>
-                <a:latin typeface="Arial" panose="020B0604020202020204" pitchFamily="34" charset="0"/>
-                <a:cs typeface="Arial" panose="020B0604020202020204" pitchFamily="34" charset="0"/>
-              </a:rPr>
-              <a:t>URL-sində aktiv olur.</a:t>
+              <a:t>/about</a:t>
             </a:r>
           </a:p>
           <a:p>
@@ -3515,7 +3647,7 @@
                 <a:latin typeface="Arial" panose="020B0604020202020204" pitchFamily="34" charset="0"/>
                 <a:cs typeface="Arial" panose="020B0604020202020204" pitchFamily="34" charset="0"/>
               </a:rPr>
-              <a:t>Brauzerdə </a:t>
+              <a:t>Route adı: </a:t>
             </a:r>
             <a:r>
               <a:rPr kumimoji="0" lang="en-US" altLang="en-US" sz="1100" b="1" i="0" u="none" strike="noStrike" cap="none" normalizeH="0" baseline="0">
@@ -3529,204 +3661,7 @@
                 <a:latin typeface="Arial" panose="020B0604020202020204" pitchFamily="34" charset="0"/>
                 <a:cs typeface="Arial" panose="020B0604020202020204" pitchFamily="34" charset="0"/>
               </a:rPr>
-              <a:t>http://localhost:8000/home </a:t>
-            </a:r>
-            <a:r>
-              <a:rPr kumimoji="0" lang="en-US" altLang="en-US" sz="1100" b="0" i="0" u="none" strike="noStrike" cap="none" normalizeH="0" baseline="0">
-                <a:ln>
-                  <a:noFill/>
-                </a:ln>
-                <a:solidFill>
-                  <a:schemeClr val="tx1"/>
-                </a:solidFill>
-                <a:effectLst/>
-                <a:latin typeface="Arial" panose="020B0604020202020204" pitchFamily="34" charset="0"/>
-                <a:cs typeface="Arial" panose="020B0604020202020204" pitchFamily="34" charset="0"/>
-              </a:rPr>
-              <a:t>yazsan, 2 link göstərilir:</a:t>
-            </a:r>
-          </a:p>
-          <a:p>
-            <a:pPr marL="0" marR="0" lvl="0" indent="0" algn="l" defTabSz="914400" rtl="0" eaLnBrk="0" fontAlgn="base" latinLnBrk="0" hangingPunct="0">
-              <a:lnSpc>
-                <a:spcPct val="100000"/>
-              </a:lnSpc>
-              <a:spcBef>
-                <a:spcPct val="0"/>
-              </a:spcBef>
-              <a:spcAft>
-                <a:spcPct val="0"/>
-              </a:spcAft>
-              <a:buClrTx/>
-              <a:buSzTx/>
-              <a:buFontTx/>
-              <a:buNone/>
-              <a:tabLst/>
-            </a:pPr>
-            <a:endParaRPr kumimoji="0" lang="az-Latn-AZ" altLang="en-US" sz="1100" b="0" i="0" u="none" strike="noStrike" cap="none" normalizeH="0" baseline="0">
-              <a:ln>
-                <a:noFill/>
-              </a:ln>
-              <a:solidFill>
-                <a:schemeClr val="tx1"/>
-              </a:solidFill>
-              <a:effectLst/>
-              <a:latin typeface="Arial" panose="020B0604020202020204" pitchFamily="34" charset="0"/>
-              <a:cs typeface="Arial" panose="020B0604020202020204" pitchFamily="34" charset="0"/>
-            </a:endParaRPr>
-          </a:p>
-          <a:p>
-            <a:pPr marL="0" marR="0" lvl="0" indent="0" algn="l" defTabSz="914400" rtl="0" eaLnBrk="0" fontAlgn="base" latinLnBrk="0" hangingPunct="0">
-              <a:lnSpc>
-                <a:spcPct val="100000"/>
-              </a:lnSpc>
-              <a:spcBef>
-                <a:spcPct val="0"/>
-              </a:spcBef>
-              <a:spcAft>
-                <a:spcPct val="0"/>
-              </a:spcAft>
-              <a:buClrTx/>
-              <a:buSzTx/>
-              <a:buFontTx/>
-              <a:buNone/>
-              <a:tabLst/>
-            </a:pPr>
-            <a:r>
-              <a:rPr kumimoji="0" lang="en-US" altLang="en-US" sz="1100" b="1" i="0" u="none" strike="noStrike" cap="none" normalizeH="0" baseline="0">
-                <a:ln>
-                  <a:noFill/>
-                </a:ln>
-                <a:solidFill>
-                  <a:schemeClr val="accent2">
-                    <a:lumMod val="75000"/>
-                  </a:schemeClr>
-                </a:solidFill>
-                <a:effectLst/>
-                <a:latin typeface="Arial" panose="020B0604020202020204" pitchFamily="34" charset="0"/>
-                <a:cs typeface="Arial" panose="020B0604020202020204" pitchFamily="34" charset="0"/>
-              </a:rPr>
-              <a:t>&lt;a href='about'&gt;About Page&lt;/a&gt;</a:t>
-            </a:r>
-          </a:p>
-          <a:p>
-            <a:pPr marL="0" marR="0" lvl="0" indent="0" algn="l" defTabSz="914400" rtl="0" eaLnBrk="0" fontAlgn="base" latinLnBrk="0" hangingPunct="0">
-              <a:lnSpc>
-                <a:spcPct val="100000"/>
-              </a:lnSpc>
-              <a:spcBef>
-                <a:spcPct val="0"/>
-              </a:spcBef>
-              <a:spcAft>
-                <a:spcPct val="0"/>
-              </a:spcAft>
-              <a:buClrTx/>
-              <a:buSzTx/>
-              <a:buFontTx/>
-              <a:buNone/>
-              <a:tabLst/>
-            </a:pPr>
-            <a:r>
-              <a:rPr kumimoji="0" lang="en-US" altLang="en-US" sz="1100" b="1" i="0" u="none" strike="noStrike" cap="none" normalizeH="0" baseline="0">
-                <a:ln>
-                  <a:noFill/>
-                </a:ln>
-                <a:solidFill>
-                  <a:schemeClr val="accent2">
-                    <a:lumMod val="75000"/>
-                  </a:schemeClr>
-                </a:solidFill>
-                <a:effectLst/>
-                <a:latin typeface="Arial" panose="020B0604020202020204" pitchFamily="34" charset="0"/>
-                <a:cs typeface="Arial" panose="020B0604020202020204" pitchFamily="34" charset="0"/>
-              </a:rPr>
-              <a:t>&lt;a href='contact/12'&gt;Dynamic Page&lt;/a&gt;</a:t>
-            </a:r>
-          </a:p>
-          <a:p>
-            <a:pPr marL="0" marR="0" lvl="0" indent="0" algn="l" defTabSz="914400" rtl="0" eaLnBrk="0" fontAlgn="base" latinLnBrk="0" hangingPunct="0">
-              <a:lnSpc>
-                <a:spcPct val="100000"/>
-              </a:lnSpc>
-              <a:spcBef>
-                <a:spcPct val="0"/>
-              </a:spcBef>
-              <a:spcAft>
-                <a:spcPct val="0"/>
-              </a:spcAft>
-              <a:buClrTx/>
-              <a:buSzTx/>
-              <a:buFontTx/>
-              <a:buNone/>
-              <a:tabLst/>
-            </a:pPr>
-            <a:endParaRPr kumimoji="0" lang="en-US" altLang="en-US" sz="1100" b="0" i="0" u="none" strike="noStrike" cap="none" normalizeH="0" baseline="0">
-              <a:ln>
-                <a:noFill/>
-              </a:ln>
-              <a:solidFill>
-                <a:schemeClr val="tx1"/>
-              </a:solidFill>
-              <a:effectLst/>
-              <a:latin typeface="Arial" panose="020B0604020202020204" pitchFamily="34" charset="0"/>
-              <a:cs typeface="Arial" panose="020B0604020202020204" pitchFamily="34" charset="0"/>
-            </a:endParaRPr>
-          </a:p>
-          <a:p>
-            <a:pPr>
-              <a:lnSpc>
-                <a:spcPct val="150000"/>
-              </a:lnSpc>
-            </a:pPr>
-            <a:endParaRPr lang="az-Latn-AZ" sz="1100">
-              <a:latin typeface="Arial" panose="020B0604020202020204" pitchFamily="34" charset="0"/>
-              <a:cs typeface="Arial" panose="020B0604020202020204" pitchFamily="34" charset="0"/>
-            </a:endParaRPr>
-          </a:p>
-          <a:p>
-            <a:pPr marL="0" marR="0" lvl="0" indent="0" algn="l" defTabSz="914400" rtl="0" eaLnBrk="0" fontAlgn="base" latinLnBrk="0" hangingPunct="0">
-              <a:lnSpc>
-                <a:spcPct val="100000"/>
-              </a:lnSpc>
-              <a:spcBef>
-                <a:spcPct val="0"/>
-              </a:spcBef>
-              <a:spcAft>
-                <a:spcPct val="0"/>
-              </a:spcAft>
-              <a:buClrTx/>
-              <a:buSzTx/>
-              <a:buFontTx/>
-              <a:buNone/>
-              <a:tabLst/>
-            </a:pPr>
-            <a:r>
-              <a:rPr kumimoji="0" lang="en-US" altLang="en-US" sz="1100" b="1" i="0" u="none" strike="noStrike" cap="none" normalizeH="0" baseline="0">
-                <a:ln>
-                  <a:noFill/>
-                </a:ln>
-                <a:solidFill>
-                  <a:schemeClr val="tx1"/>
-                </a:solidFill>
-                <a:effectLst/>
-                <a:latin typeface="Arial" panose="020B0604020202020204" pitchFamily="34" charset="0"/>
-                <a:cs typeface="Arial" panose="020B0604020202020204" pitchFamily="34" charset="0"/>
-              </a:rPr>
-              <a:t>Bu linklərdən</a:t>
-            </a:r>
-            <a:r>
-              <a:rPr kumimoji="0" lang="en-US" altLang="en-US" sz="1100" b="0" i="0" u="none" strike="noStrike" cap="none" normalizeH="0" baseline="0">
-                <a:ln>
-                  <a:noFill/>
-                </a:ln>
-                <a:solidFill>
-                  <a:schemeClr val="tx1"/>
-                </a:solidFill>
-                <a:effectLst/>
-                <a:latin typeface="Arial" panose="020B0604020202020204" pitchFamily="34" charset="0"/>
-                <a:cs typeface="Arial" panose="020B0604020202020204" pitchFamily="34" charset="0"/>
-              </a:rPr>
-              <a:t>:</a:t>
+              <a:t>example</a:t>
             </a:r>
           </a:p>
           <a:p>
@@ -3758,7 +3693,7 @@
                 <a:latin typeface="Arial" panose="020B0604020202020204" pitchFamily="34" charset="0"/>
                 <a:cs typeface="Arial" panose="020B0604020202020204" pitchFamily="34" charset="0"/>
               </a:rPr>
-              <a:t>About Page → </a:t>
+              <a:t>Artıq bu route-a belə müraciət edə bilərik: </a:t>
             </a:r>
             <a:r>
               <a:rPr kumimoji="0" lang="en-US" altLang="en-US" sz="1100" b="1" i="0" u="none" strike="noStrike" cap="none" normalizeH="0" baseline="0">
@@ -3772,111 +3707,8 @@
                 <a:latin typeface="Arial" panose="020B0604020202020204" pitchFamily="34" charset="0"/>
                 <a:cs typeface="Arial" panose="020B0604020202020204" pitchFamily="34" charset="0"/>
               </a:rPr>
-              <a:t>/about </a:t>
-            </a:r>
-            <a:r>
-              <a:rPr kumimoji="0" lang="en-US" altLang="en-US" sz="1100" b="0" i="0" u="none" strike="noStrike" cap="none" normalizeH="0" baseline="0">
-                <a:ln>
-                  <a:noFill/>
-                </a:ln>
-                <a:solidFill>
-                  <a:schemeClr val="tx1"/>
-                </a:solidFill>
-                <a:effectLst/>
-                <a:latin typeface="Arial" panose="020B0604020202020204" pitchFamily="34" charset="0"/>
-                <a:cs typeface="Arial" panose="020B0604020202020204" pitchFamily="34" charset="0"/>
-              </a:rPr>
-              <a:t>səhifəsinə aparır.</a:t>
-            </a:r>
-          </a:p>
-          <a:p>
-            <a:pPr marL="171450" marR="0" lvl="0" indent="-171450" algn="l" defTabSz="914400" rtl="0" eaLnBrk="0" fontAlgn="base" latinLnBrk="0" hangingPunct="0">
-              <a:lnSpc>
-                <a:spcPct val="100000"/>
-              </a:lnSpc>
-              <a:spcBef>
-                <a:spcPct val="0"/>
-              </a:spcBef>
-              <a:spcAft>
-                <a:spcPct val="0"/>
-              </a:spcAft>
-              <a:buClrTx/>
-              <a:buSzTx/>
-              <a:buFont typeface="Arial" panose="020B0604020202020204" pitchFamily="34" charset="0"/>
-              <a:buChar char="•"/>
-              <a:tabLst/>
-            </a:pPr>
-            <a:r>
-              <a:rPr kumimoji="0" lang="en-US" altLang="en-US" sz="1100" b="0" i="0" u="none" strike="noStrike" cap="none" normalizeH="0" baseline="0">
-                <a:ln>
-                  <a:noFill/>
-                </a:ln>
-                <a:solidFill>
-                  <a:schemeClr val="tx1"/>
-                </a:solidFill>
-                <a:effectLst/>
-                <a:latin typeface="Arial" panose="020B0604020202020204" pitchFamily="34" charset="0"/>
-                <a:cs typeface="Arial" panose="020B0604020202020204" pitchFamily="34" charset="0"/>
-              </a:rPr>
-              <a:t>Dynamic Page → </a:t>
-            </a:r>
-            <a:r>
-              <a:rPr kumimoji="0" lang="en-US" altLang="en-US" sz="1100" b="1" i="0" u="none" strike="noStrike" cap="none" normalizeH="0" baseline="0">
-                <a:ln>
-                  <a:noFill/>
-                </a:ln>
-                <a:solidFill>
-                  <a:schemeClr val="tx1"/>
-                </a:solidFill>
-                <a:effectLst/>
-                <a:latin typeface="Arial" panose="020B0604020202020204" pitchFamily="34" charset="0"/>
-                <a:cs typeface="Arial" panose="020B0604020202020204" pitchFamily="34" charset="0"/>
-              </a:rPr>
-              <a:t>/contact/12 </a:t>
-            </a:r>
-            <a:r>
-              <a:rPr kumimoji="0" lang="en-US" altLang="en-US" sz="1100" b="0" i="0" u="none" strike="noStrike" cap="none" normalizeH="0" baseline="0">
-                <a:ln>
-                  <a:noFill/>
-                </a:ln>
-                <a:solidFill>
-                  <a:schemeClr val="tx1"/>
-                </a:solidFill>
-                <a:effectLst/>
-                <a:latin typeface="Arial" panose="020B0604020202020204" pitchFamily="34" charset="0"/>
-                <a:cs typeface="Arial" panose="020B0604020202020204" pitchFamily="34" charset="0"/>
-              </a:rPr>
-              <a:t>səhifəsinə aparır (və 12 dəyəri qaytarılır).</a:t>
-            </a:r>
-          </a:p>
-          <a:p>
-            <a:pPr marL="0" marR="0" lvl="0" indent="0" algn="l" defTabSz="914400" rtl="0" eaLnBrk="0" fontAlgn="base" latinLnBrk="0" hangingPunct="0">
-              <a:lnSpc>
-                <a:spcPct val="100000"/>
-              </a:lnSpc>
-              <a:spcBef>
-                <a:spcPct val="0"/>
-              </a:spcBef>
-              <a:spcAft>
-                <a:spcPct val="0"/>
-              </a:spcAft>
-              <a:buClrTx/>
-              <a:buSzTx/>
-              <a:buFontTx/>
-              <a:buNone/>
-              <a:tabLst/>
-            </a:pPr>
-            <a:endParaRPr kumimoji="0" lang="en-US" altLang="en-US" sz="1100" b="0" i="0" u="none" strike="noStrike" cap="none" normalizeH="0" baseline="0">
-              <a:ln>
-                <a:noFill/>
-              </a:ln>
-              <a:solidFill>
-                <a:schemeClr val="tx1"/>
-              </a:solidFill>
-              <a:effectLst/>
-              <a:latin typeface="Arial" panose="020B0604020202020204" pitchFamily="34" charset="0"/>
-              <a:cs typeface="Arial" panose="020B0604020202020204" pitchFamily="34" charset="0"/>
-            </a:endParaRPr>
+              <a:t>route('example’)</a:t>
+            </a:r>
           </a:p>
           <a:p>
             <a:pPr>
@@ -3884,19 +3716,341 @@
                 <a:spcPct val="150000"/>
               </a:lnSpc>
             </a:pPr>
-            <a:endParaRPr lang="en-US" sz="1100">
+            <a:endParaRPr lang="az-Latn-AZ" sz="1100">
               <a:latin typeface="Arial" panose="020B0604020202020204" pitchFamily="34" charset="0"/>
               <a:cs typeface="Arial" panose="020B0604020202020204" pitchFamily="34" charset="0"/>
             </a:endParaRPr>
           </a:p>
+          <a:p>
+            <a:pPr>
+              <a:lnSpc>
+                <a:spcPct val="150000"/>
+              </a:lnSpc>
+            </a:pPr>
+            <a:endParaRPr lang="az-Latn-AZ" sz="1100">
+              <a:latin typeface="Arial" panose="020B0604020202020204" pitchFamily="34" charset="0"/>
+              <a:cs typeface="Arial" panose="020B0604020202020204" pitchFamily="34" charset="0"/>
+            </a:endParaRPr>
+          </a:p>
+          <a:p>
+            <a:pPr>
+              <a:lnSpc>
+                <a:spcPct val="150000"/>
+              </a:lnSpc>
+            </a:pPr>
+            <a:endParaRPr lang="az-Latn-AZ" sz="1100">
+              <a:latin typeface="Arial" panose="020B0604020202020204" pitchFamily="34" charset="0"/>
+              <a:cs typeface="Arial" panose="020B0604020202020204" pitchFamily="34" charset="0"/>
+            </a:endParaRPr>
+          </a:p>
+          <a:p>
+            <a:pPr>
+              <a:lnSpc>
+                <a:spcPct val="150000"/>
+              </a:lnSpc>
+            </a:pPr>
+            <a:r>
+              <a:rPr lang="en-US" sz="1100">
+                <a:latin typeface="Arial" panose="020B0604020202020204" pitchFamily="34" charset="0"/>
+                <a:cs typeface="Arial" panose="020B0604020202020204" pitchFamily="34" charset="0"/>
+              </a:rPr>
+              <a:t>2) </a:t>
+            </a:r>
+            <a:r>
+              <a:rPr lang="en-US" sz="1100" b="1">
+                <a:solidFill>
+                  <a:srgbClr val="FF0000"/>
+                </a:solidFill>
+                <a:latin typeface="Arial" panose="020B0604020202020204" pitchFamily="34" charset="0"/>
+                <a:cs typeface="Arial" panose="020B0604020202020204" pitchFamily="34" charset="0"/>
+              </a:rPr>
+              <a:t>route('example') </a:t>
+            </a:r>
+            <a:r>
+              <a:rPr lang="en-US" sz="1100">
+                <a:latin typeface="Arial" panose="020B0604020202020204" pitchFamily="34" charset="0"/>
+                <a:cs typeface="Arial" panose="020B0604020202020204" pitchFamily="34" charset="0"/>
+              </a:rPr>
+              <a:t>— Route-un </a:t>
+            </a:r>
+            <a:r>
+              <a:rPr lang="en-US" sz="1100" b="1">
+                <a:latin typeface="Arial" panose="020B0604020202020204" pitchFamily="34" charset="0"/>
+                <a:cs typeface="Arial" panose="020B0604020202020204" pitchFamily="34" charset="0"/>
+              </a:rPr>
+              <a:t>URL</a:t>
+            </a:r>
+            <a:r>
+              <a:rPr lang="en-US" sz="1100">
+                <a:latin typeface="Arial" panose="020B0604020202020204" pitchFamily="34" charset="0"/>
+                <a:cs typeface="Arial" panose="020B0604020202020204" pitchFamily="34" charset="0"/>
+              </a:rPr>
+              <a:t>-sini almaq</a:t>
+            </a:r>
+            <a:r>
+              <a:rPr lang="az-Latn-AZ" sz="1100">
+                <a:latin typeface="Arial" panose="020B0604020202020204" pitchFamily="34" charset="0"/>
+                <a:cs typeface="Arial" panose="020B0604020202020204" pitchFamily="34" charset="0"/>
+              </a:rPr>
+              <a:t>. Çağırıldığında Laravel avtomatik olaraq həmin route-un </a:t>
+            </a:r>
+            <a:r>
+              <a:rPr lang="az-Latn-AZ" sz="1100" b="1">
+                <a:latin typeface="Arial" panose="020B0604020202020204" pitchFamily="34" charset="0"/>
+                <a:cs typeface="Arial" panose="020B0604020202020204" pitchFamily="34" charset="0"/>
+              </a:rPr>
+              <a:t>URL</a:t>
+            </a:r>
+            <a:r>
+              <a:rPr lang="az-Latn-AZ" sz="1100">
+                <a:latin typeface="Arial" panose="020B0604020202020204" pitchFamily="34" charset="0"/>
+                <a:cs typeface="Arial" panose="020B0604020202020204" pitchFamily="34" charset="0"/>
+              </a:rPr>
+              <a:t>-ni qaytarır. Yəni əgər </a:t>
+            </a:r>
+            <a:r>
+              <a:rPr lang="az-Latn-AZ" sz="1100" b="1">
+                <a:latin typeface="Arial" panose="020B0604020202020204" pitchFamily="34" charset="0"/>
+                <a:cs typeface="Arial" panose="020B0604020202020204" pitchFamily="34" charset="0"/>
+              </a:rPr>
+              <a:t>example</a:t>
+            </a:r>
+            <a:r>
+              <a:rPr lang="az-Latn-AZ" sz="1100">
+                <a:latin typeface="Arial" panose="020B0604020202020204" pitchFamily="34" charset="0"/>
+                <a:cs typeface="Arial" panose="020B0604020202020204" pitchFamily="34" charset="0"/>
+              </a:rPr>
+              <a:t> adlı route </a:t>
+            </a:r>
+            <a:r>
+              <a:rPr lang="az-Latn-AZ" sz="1100" b="1">
+                <a:latin typeface="Arial" panose="020B0604020202020204" pitchFamily="34" charset="0"/>
+                <a:cs typeface="Arial" panose="020B0604020202020204" pitchFamily="34" charset="0"/>
+              </a:rPr>
+              <a:t>/about</a:t>
+            </a:r>
+            <a:r>
+              <a:rPr lang="az-Latn-AZ" sz="1100">
+                <a:latin typeface="Arial" panose="020B0604020202020204" pitchFamily="34" charset="0"/>
+                <a:cs typeface="Arial" panose="020B0604020202020204" pitchFamily="34" charset="0"/>
+              </a:rPr>
+              <a:t>-a yönəlirsə, </a:t>
+            </a:r>
+            <a:r>
+              <a:rPr lang="az-Latn-AZ" sz="1100" b="1">
+                <a:latin typeface="Arial" panose="020B0604020202020204" pitchFamily="34" charset="0"/>
+                <a:cs typeface="Arial" panose="020B0604020202020204" pitchFamily="34" charset="0"/>
+              </a:rPr>
+              <a:t>route('example') </a:t>
+            </a:r>
+            <a:r>
+              <a:rPr lang="az-Latn-AZ" sz="1100">
+                <a:latin typeface="Arial" panose="020B0604020202020204" pitchFamily="34" charset="0"/>
+                <a:cs typeface="Arial" panose="020B0604020202020204" pitchFamily="34" charset="0"/>
+              </a:rPr>
+              <a:t>→ </a:t>
+            </a:r>
+            <a:r>
+              <a:rPr lang="az-Latn-AZ" sz="1100" b="1">
+                <a:latin typeface="Arial" panose="020B0604020202020204" pitchFamily="34" charset="0"/>
+                <a:cs typeface="Arial" panose="020B0604020202020204" pitchFamily="34" charset="0"/>
+              </a:rPr>
+              <a:t>/about </a:t>
+            </a:r>
+            <a:r>
+              <a:rPr lang="az-Latn-AZ" sz="1100">
+                <a:latin typeface="Arial" panose="020B0604020202020204" pitchFamily="34" charset="0"/>
+                <a:cs typeface="Arial" panose="020B0604020202020204" pitchFamily="34" charset="0"/>
+              </a:rPr>
+              <a:t>dəyərini verir.</a:t>
+            </a:r>
+          </a:p>
+          <a:p>
+            <a:pPr>
+              <a:lnSpc>
+                <a:spcPct val="150000"/>
+              </a:lnSpc>
+            </a:pPr>
+            <a:endParaRPr lang="az-Latn-AZ" sz="1100">
+              <a:latin typeface="Arial" panose="020B0604020202020204" pitchFamily="34" charset="0"/>
+              <a:cs typeface="Arial" panose="020B0604020202020204" pitchFamily="34" charset="0"/>
+            </a:endParaRPr>
+          </a:p>
+          <a:p>
+            <a:pPr>
+              <a:lnSpc>
+                <a:spcPct val="150000"/>
+              </a:lnSpc>
+            </a:pPr>
+            <a:endParaRPr lang="az-Latn-AZ" sz="1100">
+              <a:latin typeface="Arial" panose="020B0604020202020204" pitchFamily="34" charset="0"/>
+              <a:cs typeface="Arial" panose="020B0604020202020204" pitchFamily="34" charset="0"/>
+            </a:endParaRPr>
+          </a:p>
+          <a:p>
+            <a:pPr>
+              <a:lnSpc>
+                <a:spcPct val="150000"/>
+              </a:lnSpc>
+            </a:pPr>
+            <a:r>
+              <a:rPr lang="az-Latn-AZ" sz="1100">
+                <a:latin typeface="Arial" panose="020B0604020202020204" pitchFamily="34" charset="0"/>
+                <a:cs typeface="Arial" panose="020B0604020202020204" pitchFamily="34" charset="0"/>
+              </a:rPr>
+              <a:t>3) </a:t>
+            </a:r>
+            <a:r>
+              <a:rPr lang="en-US" sz="1100" b="1">
+                <a:latin typeface="Arial" panose="020B0604020202020204" pitchFamily="34" charset="0"/>
+                <a:cs typeface="Arial" panose="020B0604020202020204" pitchFamily="34" charset="0"/>
+              </a:rPr>
+              <a:t>Dinamik route üçün</a:t>
+            </a:r>
+            <a:r>
+              <a:rPr lang="en-US" sz="1100">
+                <a:latin typeface="Arial" panose="020B0604020202020204" pitchFamily="34" charset="0"/>
+                <a:cs typeface="Arial" panose="020B0604020202020204" pitchFamily="34" charset="0"/>
+              </a:rPr>
+              <a:t>:</a:t>
+            </a:r>
+            <a:r>
+              <a:rPr lang="az-Latn-AZ" sz="1100">
+                <a:latin typeface="Arial" panose="020B0604020202020204" pitchFamily="34" charset="0"/>
+                <a:cs typeface="Arial" panose="020B0604020202020204" pitchFamily="34" charset="0"/>
+              </a:rPr>
+              <a:t> </a:t>
+            </a:r>
+            <a:r>
+              <a:rPr lang="fr-FR" sz="1100">
+                <a:latin typeface="Arial" panose="020B0604020202020204" pitchFamily="34" charset="0"/>
+                <a:cs typeface="Arial" panose="020B0604020202020204" pitchFamily="34" charset="0"/>
+              </a:rPr>
+              <a:t>Bu route-un adı: edit-contact. URL isə: </a:t>
+            </a:r>
+            <a:r>
+              <a:rPr lang="fr-FR" sz="1100" b="1">
+                <a:latin typeface="Arial" panose="020B0604020202020204" pitchFamily="34" charset="0"/>
+                <a:cs typeface="Arial" panose="020B0604020202020204" pitchFamily="34" charset="0"/>
+              </a:rPr>
+              <a:t>/contact/{id}</a:t>
+            </a:r>
+            <a:endParaRPr lang="az-Latn-AZ" sz="1100" b="1">
+              <a:latin typeface="Arial" panose="020B0604020202020204" pitchFamily="34" charset="0"/>
+              <a:cs typeface="Arial" panose="020B0604020202020204" pitchFamily="34" charset="0"/>
+            </a:endParaRPr>
+          </a:p>
+          <a:p>
+            <a:pPr>
+              <a:lnSpc>
+                <a:spcPct val="150000"/>
+              </a:lnSpc>
+            </a:pPr>
+            <a:endParaRPr lang="az-Latn-AZ" sz="1100">
+              <a:latin typeface="Arial" panose="020B0604020202020204" pitchFamily="34" charset="0"/>
+              <a:cs typeface="Arial" panose="020B0604020202020204" pitchFamily="34" charset="0"/>
+            </a:endParaRPr>
+          </a:p>
+          <a:p>
+            <a:pPr>
+              <a:lnSpc>
+                <a:spcPct val="150000"/>
+              </a:lnSpc>
+            </a:pPr>
+            <a:r>
+              <a:rPr lang="en-US" sz="1100">
+                <a:latin typeface="Arial" panose="020B0604020202020204" pitchFamily="34" charset="0"/>
+                <a:cs typeface="Arial" panose="020B0604020202020204" pitchFamily="34" charset="0"/>
+              </a:rPr>
+              <a:t>Artıq bu </a:t>
+            </a:r>
+            <a:r>
+              <a:rPr lang="en-US" sz="1100" b="1">
+                <a:latin typeface="Arial" panose="020B0604020202020204" pitchFamily="34" charset="0"/>
+                <a:cs typeface="Arial" panose="020B0604020202020204" pitchFamily="34" charset="0"/>
+              </a:rPr>
+              <a:t>URL</a:t>
+            </a:r>
+            <a:r>
+              <a:rPr lang="en-US" sz="1100">
+                <a:latin typeface="Arial" panose="020B0604020202020204" pitchFamily="34" charset="0"/>
+                <a:cs typeface="Arial" panose="020B0604020202020204" pitchFamily="34" charset="0"/>
+              </a:rPr>
+              <a:t>-</a:t>
+            </a:r>
+            <a:r>
+              <a:rPr lang="az-Latn-AZ" sz="1100">
+                <a:latin typeface="Arial" panose="020B0604020202020204" pitchFamily="34" charset="0"/>
+                <a:cs typeface="Arial" panose="020B0604020202020204" pitchFamily="34" charset="0"/>
+              </a:rPr>
+              <a:t>n</a:t>
+            </a:r>
+            <a:r>
+              <a:rPr lang="en-US" sz="1100">
+                <a:latin typeface="Arial" panose="020B0604020202020204" pitchFamily="34" charset="0"/>
+                <a:cs typeface="Arial" panose="020B0604020202020204" pitchFamily="34" charset="0"/>
+              </a:rPr>
+              <a:t>i generasiya etmək üçün belə yazmaq kifayətdir:</a:t>
+            </a:r>
+            <a:r>
+              <a:rPr lang="az-Latn-AZ" sz="1100">
+                <a:latin typeface="Arial" panose="020B0604020202020204" pitchFamily="34" charset="0"/>
+                <a:cs typeface="Arial" panose="020B0604020202020204" pitchFamily="34" charset="0"/>
+              </a:rPr>
+              <a:t> </a:t>
+            </a:r>
+            <a:r>
+              <a:rPr lang="az-Latn-AZ" sz="1100" b="1">
+                <a:latin typeface="Arial" panose="020B0604020202020204" pitchFamily="34" charset="0"/>
+                <a:cs typeface="Arial" panose="020B0604020202020204" pitchFamily="34" charset="0"/>
+              </a:rPr>
+              <a:t>route('edit-contact', 12)</a:t>
+            </a:r>
+          </a:p>
+          <a:p>
+            <a:pPr>
+              <a:lnSpc>
+                <a:spcPct val="150000"/>
+              </a:lnSpc>
+            </a:pPr>
+            <a:endParaRPr lang="az-Latn-AZ" sz="1100">
+              <a:latin typeface="Arial" panose="020B0604020202020204" pitchFamily="34" charset="0"/>
+              <a:cs typeface="Arial" panose="020B0604020202020204" pitchFamily="34" charset="0"/>
+            </a:endParaRPr>
+          </a:p>
+          <a:p>
+            <a:pPr>
+              <a:lnSpc>
+                <a:spcPct val="150000"/>
+              </a:lnSpc>
+            </a:pPr>
+            <a:r>
+              <a:rPr lang="pt-BR" sz="1100">
+                <a:latin typeface="Arial" panose="020B0604020202020204" pitchFamily="34" charset="0"/>
+                <a:cs typeface="Arial" panose="020B0604020202020204" pitchFamily="34" charset="0"/>
+              </a:rPr>
+              <a:t>Bu da nəticədə verir: </a:t>
+            </a:r>
+            <a:r>
+              <a:rPr lang="pt-BR" sz="1100" b="1">
+                <a:latin typeface="Arial" panose="020B0604020202020204" pitchFamily="34" charset="0"/>
+                <a:cs typeface="Arial" panose="020B0604020202020204" pitchFamily="34" charset="0"/>
+              </a:rPr>
+              <a:t>/contact/12</a:t>
+            </a:r>
+            <a:endParaRPr lang="en-US" sz="1100" b="1">
+              <a:latin typeface="Arial" panose="020B0604020202020204" pitchFamily="34" charset="0"/>
+              <a:cs typeface="Arial" panose="020B0604020202020204" pitchFamily="34" charset="0"/>
+            </a:endParaRPr>
+          </a:p>
         </p:txBody>
       </p:sp>
       <p:pic>
         <p:nvPicPr>
-          <p:cNvPr id="4" name="Picture 3">
-            <a:extLst>
-              <a:ext uri="{FF2B5EF4-FFF2-40B4-BE49-F238E27FC236}">
-                <a16:creationId xmlns:a16="http://schemas.microsoft.com/office/drawing/2014/main" id="{80DFFC8E-3FAC-90FC-D367-9E324E911FA4}"/>
+          <p:cNvPr id="6" name="Picture 5">
+            <a:extLst>
+              <a:ext uri="{FF2B5EF4-FFF2-40B4-BE49-F238E27FC236}">
+                <a16:creationId xmlns:a16="http://schemas.microsoft.com/office/drawing/2014/main" id="{63DE0864-299E-A1BD-7111-E9869DD63A30}"/>
               </a:ext>
             </a:extLst>
           </p:cNvPr>
@@ -3906,124 +4060,21 @@
           <p:nvPr/>
         </p:nvPicPr>
         <p:blipFill>
-          <a:blip r:embed="rId2">
-            <a:extLst>
-              <a:ext uri="{28A0092B-C50C-407E-A947-70E740481C1C}">
-                <a14:useLocalDpi xmlns:a14="http://schemas.microsoft.com/office/drawing/2010/main" val="0"/>
-              </a:ext>
-            </a:extLst>
-          </a:blip>
+          <a:blip r:embed="rId2"/>
           <a:stretch>
             <a:fillRect/>
           </a:stretch>
         </p:blipFill>
         <p:spPr>
           <a:xfrm>
-            <a:off x="5624038" y="0"/>
-            <a:ext cx="6567962" cy="6858000"/>
+            <a:off x="6521206" y="1970202"/>
+            <a:ext cx="5670794" cy="4887798"/>
           </a:xfrm>
           <a:prstGeom prst="rect">
             <a:avLst/>
           </a:prstGeom>
         </p:spPr>
       </p:pic>
-    </p:spTree>
-    <p:extLst>
-      <p:ext uri="{BB962C8B-B14F-4D97-AF65-F5344CB8AC3E}">
-        <p14:creationId xmlns:p14="http://schemas.microsoft.com/office/powerpoint/2010/main" val="1825244590"/>
-      </p:ext>
-    </p:extLst>
-  </p:cSld>
-  <p:clrMapOvr>
-    <a:masterClrMapping/>
-  </p:clrMapOvr>
-</p:sld>
-</file>
-
-<file path=ppt/slides/slide2.xml><?xml version="1.0" encoding="utf-8"?>
-<p:sld xmlns:a="http://schemas.openxmlformats.org/drawingml/2006/main" xmlns:r="http://schemas.openxmlformats.org/officeDocument/2006/relationships" xmlns:p="http://schemas.openxmlformats.org/presentationml/2006/main">
-  <p:cSld>
-    <p:spTree>
-      <p:nvGrpSpPr>
-        <p:cNvPr id="1" name="">
-          <a:extLst>
-            <a:ext uri="{FF2B5EF4-FFF2-40B4-BE49-F238E27FC236}">
-              <a16:creationId xmlns:a16="http://schemas.microsoft.com/office/drawing/2014/main" id="{6EC2AF69-A0C0-ED25-5250-43DD8431B44C}"/>
-            </a:ext>
-          </a:extLst>
-        </p:cNvPr>
-        <p:cNvGrpSpPr/>
-        <p:nvPr/>
-      </p:nvGrpSpPr>
-      <p:grpSpPr>
-        <a:xfrm>
-          <a:off x="0" y="0"/>
-          <a:ext cx="0" cy="0"/>
-          <a:chOff x="0" y="0"/>
-          <a:chExt cx="0" cy="0"/>
-        </a:xfrm>
-      </p:grpSpPr>
-      <p:sp>
-        <p:nvSpPr>
-          <p:cNvPr id="3" name="TextBox 2">
-            <a:extLst>
-              <a:ext uri="{FF2B5EF4-FFF2-40B4-BE49-F238E27FC236}">
-                <a16:creationId xmlns:a16="http://schemas.microsoft.com/office/drawing/2014/main" id="{54061372-74CA-B894-FABE-83849978FF36}"/>
-              </a:ext>
-            </a:extLst>
-          </p:cNvPr>
-          <p:cNvSpPr txBox="1"/>
-          <p:nvPr/>
-        </p:nvSpPr>
-        <p:spPr>
-          <a:xfrm>
-            <a:off x="217714" y="255046"/>
-            <a:ext cx="11756571" cy="655436"/>
-          </a:xfrm>
-          <a:prstGeom prst="rect">
-            <a:avLst/>
-          </a:prstGeom>
-          <a:noFill/>
-        </p:spPr>
-        <p:txBody>
-          <a:bodyPr wrap="square">
-            <a:spAutoFit/>
-          </a:bodyPr>
-          <a:lstStyle/>
-          <a:p>
-            <a:pPr>
-              <a:lnSpc>
-                <a:spcPct val="150000"/>
-              </a:lnSpc>
-              <a:buNone/>
-            </a:pPr>
-            <a:r>
-              <a:rPr kumimoji="0" lang="en-US" altLang="en-US" sz="1300" b="0" i="0" u="none" strike="noStrike" cap="none" normalizeH="0" baseline="0">
-                <a:ln>
-                  <a:noFill/>
-                </a:ln>
-                <a:solidFill>
-                  <a:schemeClr val="tx1"/>
-                </a:solidFill>
-                <a:effectLst/>
-                <a:latin typeface="Arial" panose="020B0604020202020204" pitchFamily="34" charset="0"/>
-              </a:rPr>
-              <a:t>.</a:t>
-            </a:r>
-          </a:p>
-          <a:p>
-            <a:pPr>
-              <a:lnSpc>
-                <a:spcPct val="150000"/>
-              </a:lnSpc>
-            </a:pPr>
-            <a:endParaRPr lang="en-US" sz="1300">
-              <a:latin typeface="Arial" panose="020B0604020202020204" pitchFamily="34" charset="0"/>
-              <a:cs typeface="Arial" panose="020B0604020202020204" pitchFamily="34" charset="0"/>
-            </a:endParaRPr>
-          </a:p>
-        </p:txBody>
-      </p:sp>
     </p:spTree>
     <p:extLst>
       <p:ext uri="{BB962C8B-B14F-4D97-AF65-F5344CB8AC3E}">
@@ -4037,7 +4088,7 @@
 </p:sld>
 </file>
 
-<file path=ppt/slides/slide3.xml><?xml version="1.0" encoding="utf-8"?>
+<file path=ppt/slides/slide2.xml><?xml version="1.0" encoding="utf-8"?>
 <p:sld xmlns:a="http://schemas.openxmlformats.org/drawingml/2006/main" xmlns:r="http://schemas.openxmlformats.org/officeDocument/2006/relationships" xmlns:p="http://schemas.openxmlformats.org/presentationml/2006/main">
   <p:cSld>
     <p:spTree>
@@ -4075,7 +4126,7 @@
         <p:spPr>
           <a:xfrm>
             <a:off x="217714" y="255046"/>
-            <a:ext cx="11756571" cy="655436"/>
+            <a:ext cx="11756571" cy="2455929"/>
           </a:xfrm>
           <a:prstGeom prst="rect">
             <a:avLst/>
@@ -4105,7 +4156,288 @@
                 <a:effectLst/>
                 <a:latin typeface="Arial" panose="020B0604020202020204" pitchFamily="34" charset="0"/>
               </a:rPr>
+              <a:t>Niyə </a:t>
+            </a:r>
+            <a:r>
+              <a:rPr kumimoji="0" lang="en-US" altLang="en-US" sz="1300" b="1" i="0" u="none" strike="noStrike" cap="none" normalizeH="0" baseline="0">
+                <a:ln>
+                  <a:noFill/>
+                </a:ln>
+                <a:solidFill>
+                  <a:srgbClr val="FF0000"/>
+                </a:solidFill>
+                <a:effectLst/>
+                <a:latin typeface="Arial" panose="020B0604020202020204" pitchFamily="34" charset="0"/>
+              </a:rPr>
+              <a:t>name() </a:t>
+            </a:r>
+            <a:r>
+              <a:rPr kumimoji="0" lang="en-US" altLang="en-US" sz="1300" b="0" i="0" u="none" strike="noStrike" cap="none" normalizeH="0" baseline="0">
+                <a:ln>
+                  <a:noFill/>
+                </a:ln>
+                <a:solidFill>
+                  <a:schemeClr val="tx1"/>
+                </a:solidFill>
+                <a:effectLst/>
+                <a:latin typeface="Arial" panose="020B0604020202020204" pitchFamily="34" charset="0"/>
+              </a:rPr>
+              <a:t>və </a:t>
+            </a:r>
+            <a:r>
+              <a:rPr kumimoji="0" lang="en-US" altLang="en-US" sz="1300" b="1" i="0" u="none" strike="noStrike" cap="none" normalizeH="0" baseline="0">
+                <a:ln>
+                  <a:noFill/>
+                </a:ln>
+                <a:solidFill>
+                  <a:srgbClr val="FF0000"/>
+                </a:solidFill>
+                <a:effectLst/>
+                <a:latin typeface="Arial" panose="020B0604020202020204" pitchFamily="34" charset="0"/>
+              </a:rPr>
+              <a:t>route() </a:t>
+            </a:r>
+            <a:r>
+              <a:rPr kumimoji="0" lang="en-US" altLang="en-US" sz="1300" b="0" i="0" u="none" strike="noStrike" cap="none" normalizeH="0" baseline="0">
+                <a:ln>
+                  <a:noFill/>
+                </a:ln>
+                <a:solidFill>
+                  <a:schemeClr val="tx1"/>
+                </a:solidFill>
+                <a:effectLst/>
+                <a:latin typeface="Arial" panose="020B0604020202020204" pitchFamily="34" charset="0"/>
+              </a:rPr>
+              <a:t>istifadə etməliyik?</a:t>
+            </a:r>
+          </a:p>
+          <a:p>
+            <a:pPr>
+              <a:lnSpc>
+                <a:spcPct val="150000"/>
+              </a:lnSpc>
+            </a:pPr>
+            <a:endParaRPr lang="az-Latn-AZ" sz="1300">
+              <a:latin typeface="Arial" panose="020B0604020202020204" pitchFamily="34" charset="0"/>
+              <a:cs typeface="Arial" panose="020B0604020202020204" pitchFamily="34" charset="0"/>
+            </a:endParaRPr>
+          </a:p>
+          <a:p>
+            <a:pPr>
+              <a:lnSpc>
+                <a:spcPct val="150000"/>
+              </a:lnSpc>
+            </a:pPr>
+            <a:r>
+              <a:rPr lang="en-US" sz="1300">
+                <a:latin typeface="Arial" panose="020B0604020202020204" pitchFamily="34" charset="0"/>
+                <a:cs typeface="Arial" panose="020B0604020202020204" pitchFamily="34" charset="0"/>
+              </a:rPr>
+              <a:t>Tutaq ki </a:t>
+            </a:r>
+            <a:r>
+              <a:rPr lang="en-US" sz="1300" b="1">
+                <a:latin typeface="Arial" panose="020B0604020202020204" pitchFamily="34" charset="0"/>
+                <a:cs typeface="Arial" panose="020B0604020202020204" pitchFamily="34" charset="0"/>
+              </a:rPr>
+              <a:t>/about </a:t>
+            </a:r>
+            <a:r>
+              <a:rPr lang="en-US" sz="1300">
+                <a:latin typeface="Arial" panose="020B0604020202020204" pitchFamily="34" charset="0"/>
+                <a:cs typeface="Arial" panose="020B0604020202020204" pitchFamily="34" charset="0"/>
+              </a:rPr>
+              <a:t>URL-ni dəyişdi</a:t>
+            </a:r>
+            <a:r>
+              <a:rPr lang="az-Latn-AZ" sz="1300">
+                <a:latin typeface="Arial" panose="020B0604020202020204" pitchFamily="34" charset="0"/>
+                <a:cs typeface="Arial" panose="020B0604020202020204" pitchFamily="34" charset="0"/>
+              </a:rPr>
+              <a:t>q</a:t>
+            </a:r>
+            <a:r>
+              <a:rPr lang="en-US" sz="1300">
+                <a:latin typeface="Arial" panose="020B0604020202020204" pitchFamily="34" charset="0"/>
+                <a:cs typeface="Arial" panose="020B0604020202020204" pitchFamily="34" charset="0"/>
+              </a:rPr>
+              <a:t> məsələn </a:t>
+            </a:r>
+            <a:r>
+              <a:rPr lang="en-US" sz="1300" b="1">
+                <a:latin typeface="Arial" panose="020B0604020202020204" pitchFamily="34" charset="0"/>
+                <a:cs typeface="Arial" panose="020B0604020202020204" pitchFamily="34" charset="0"/>
+              </a:rPr>
+              <a:t>/about-us </a:t>
+            </a:r>
+            <a:r>
+              <a:rPr lang="en-US" sz="1300">
+                <a:latin typeface="Arial" panose="020B0604020202020204" pitchFamily="34" charset="0"/>
+                <a:cs typeface="Arial" panose="020B0604020202020204" pitchFamily="34" charset="0"/>
+              </a:rPr>
+              <a:t>etdi</a:t>
+            </a:r>
+            <a:r>
+              <a:rPr lang="az-Latn-AZ" sz="1300">
+                <a:latin typeface="Arial" panose="020B0604020202020204" pitchFamily="34" charset="0"/>
+                <a:cs typeface="Arial" panose="020B0604020202020204" pitchFamily="34" charset="0"/>
+              </a:rPr>
+              <a:t>q</a:t>
+            </a:r>
+            <a:r>
+              <a:rPr lang="en-US" sz="1300">
+                <a:latin typeface="Arial" panose="020B0604020202020204" pitchFamily="34" charset="0"/>
+                <a:cs typeface="Arial" panose="020B0604020202020204" pitchFamily="34" charset="0"/>
+              </a:rPr>
+              <a:t>. Əgər</a:t>
+            </a:r>
+            <a:r>
+              <a:rPr lang="az-Latn-AZ" sz="1300">
+                <a:latin typeface="Arial" panose="020B0604020202020204" pitchFamily="34" charset="0"/>
+                <a:cs typeface="Arial" panose="020B0604020202020204" pitchFamily="34" charset="0"/>
+              </a:rPr>
+              <a:t> fərqli fayllarda birdən çox </a:t>
+            </a:r>
+            <a:r>
+              <a:rPr lang="en-US" sz="1300" b="1">
+                <a:latin typeface="Arial" panose="020B0604020202020204" pitchFamily="34" charset="0"/>
+                <a:cs typeface="Arial" panose="020B0604020202020204" pitchFamily="34" charset="0"/>
+              </a:rPr>
+              <a:t>&lt;a href='/about'&gt; </a:t>
+            </a:r>
+            <a:r>
+              <a:rPr lang="en-US" sz="1300">
+                <a:latin typeface="Arial" panose="020B0604020202020204" pitchFamily="34" charset="0"/>
+                <a:cs typeface="Arial" panose="020B0604020202020204" pitchFamily="34" charset="0"/>
+              </a:rPr>
+              <a:t>yazmış olsaydı</a:t>
+            </a:r>
+            <a:r>
+              <a:rPr lang="az-Latn-AZ" sz="1300">
+                <a:latin typeface="Arial" panose="020B0604020202020204" pitchFamily="34" charset="0"/>
+                <a:cs typeface="Arial" panose="020B0604020202020204" pitchFamily="34" charset="0"/>
+              </a:rPr>
+              <a:t>q</a:t>
+            </a:r>
+            <a:r>
+              <a:rPr lang="en-US" sz="1300">
+                <a:latin typeface="Arial" panose="020B0604020202020204" pitchFamily="34" charset="0"/>
+                <a:cs typeface="Arial" panose="020B0604020202020204" pitchFamily="34" charset="0"/>
+              </a:rPr>
+              <a:t>, əllə bütün faylları dəyişməli olacaqdı</a:t>
+            </a:r>
+            <a:r>
+              <a:rPr lang="az-Latn-AZ" sz="1300">
+                <a:latin typeface="Arial" panose="020B0604020202020204" pitchFamily="34" charset="0"/>
+                <a:cs typeface="Arial" panose="020B0604020202020204" pitchFamily="34" charset="0"/>
+              </a:rPr>
+              <a:t>q</a:t>
+            </a:r>
+            <a:r>
+              <a:rPr lang="en-US" sz="1300">
+                <a:latin typeface="Arial" panose="020B0604020202020204" pitchFamily="34" charset="0"/>
+                <a:cs typeface="Arial" panose="020B0604020202020204" pitchFamily="34" charset="0"/>
+              </a:rPr>
               <a:t>.</a:t>
+            </a:r>
+            <a:endParaRPr lang="az-Latn-AZ" sz="1300">
+              <a:latin typeface="Arial" panose="020B0604020202020204" pitchFamily="34" charset="0"/>
+              <a:cs typeface="Arial" panose="020B0604020202020204" pitchFamily="34" charset="0"/>
+            </a:endParaRPr>
+          </a:p>
+          <a:p>
+            <a:pPr>
+              <a:lnSpc>
+                <a:spcPct val="150000"/>
+              </a:lnSpc>
+            </a:pPr>
+            <a:endParaRPr lang="az-Latn-AZ" sz="1300">
+              <a:latin typeface="Arial" panose="020B0604020202020204" pitchFamily="34" charset="0"/>
+              <a:cs typeface="Arial" panose="020B0604020202020204" pitchFamily="34" charset="0"/>
+            </a:endParaRPr>
+          </a:p>
+          <a:p>
+            <a:pPr>
+              <a:lnSpc>
+                <a:spcPct val="150000"/>
+              </a:lnSpc>
+            </a:pPr>
+            <a:r>
+              <a:rPr lang="az-Latn-AZ" sz="1300">
+                <a:latin typeface="Arial" panose="020B0604020202020204" pitchFamily="34" charset="0"/>
+                <a:cs typeface="Arial" panose="020B0604020202020204" pitchFamily="34" charset="0"/>
+              </a:rPr>
+              <a:t>Ancaq </a:t>
+            </a:r>
+            <a:r>
+              <a:rPr lang="az-Latn-AZ" sz="1300" b="1">
+                <a:latin typeface="Arial" panose="020B0604020202020204" pitchFamily="34" charset="0"/>
+                <a:cs typeface="Arial" panose="020B0604020202020204" pitchFamily="34" charset="0"/>
+              </a:rPr>
+              <a:t>route('example') </a:t>
+            </a:r>
+            <a:r>
+              <a:rPr lang="az-Latn-AZ" sz="1300">
+                <a:latin typeface="Arial" panose="020B0604020202020204" pitchFamily="34" charset="0"/>
+                <a:cs typeface="Arial" panose="020B0604020202020204" pitchFamily="34" charset="0"/>
+              </a:rPr>
+              <a:t>istifadə etmişiksə, onda </a:t>
+            </a:r>
+            <a:r>
+              <a:rPr lang="az-Latn-AZ" sz="1300" b="1">
+                <a:latin typeface="Arial" panose="020B0604020202020204" pitchFamily="34" charset="0"/>
+                <a:cs typeface="Arial" panose="020B0604020202020204" pitchFamily="34" charset="0"/>
+              </a:rPr>
+              <a:t>about</a:t>
+            </a:r>
+            <a:r>
+              <a:rPr lang="az-Latn-AZ" sz="1300">
+                <a:latin typeface="Arial" panose="020B0604020202020204" pitchFamily="34" charset="0"/>
+                <a:cs typeface="Arial" panose="020B0604020202020204" pitchFamily="34" charset="0"/>
+              </a:rPr>
+              <a:t> yazısını </a:t>
+            </a:r>
+            <a:r>
+              <a:rPr lang="az-Latn-AZ" sz="1300" b="1">
+                <a:latin typeface="Arial" panose="020B0604020202020204" pitchFamily="34" charset="0"/>
+                <a:cs typeface="Arial" panose="020B0604020202020204" pitchFamily="34" charset="0"/>
+              </a:rPr>
+              <a:t>about-us</a:t>
+            </a:r>
+            <a:r>
+              <a:rPr lang="az-Latn-AZ" sz="1300">
+                <a:latin typeface="Arial" panose="020B0604020202020204" pitchFamily="34" charset="0"/>
+                <a:cs typeface="Arial" panose="020B0604020202020204" pitchFamily="34" charset="0"/>
+              </a:rPr>
+              <a:t> etmək heç bir məna kəsb etməyəcək. Çünki </a:t>
+            </a:r>
+            <a:r>
+              <a:rPr lang="az-Latn-AZ" sz="1300" b="1">
+                <a:latin typeface="Arial" panose="020B0604020202020204" pitchFamily="34" charset="0"/>
+                <a:cs typeface="Arial" panose="020B0604020202020204" pitchFamily="34" charset="0"/>
+              </a:rPr>
+              <a:t>example</a:t>
+            </a:r>
+            <a:r>
+              <a:rPr lang="az-Latn-AZ" sz="1300">
+                <a:latin typeface="Arial" panose="020B0604020202020204" pitchFamily="34" charset="0"/>
+                <a:cs typeface="Arial" panose="020B0604020202020204" pitchFamily="34" charset="0"/>
+              </a:rPr>
+              <a:t> dəyişmir və biz </a:t>
+            </a:r>
+            <a:r>
+              <a:rPr lang="az-Latn-AZ" sz="1300" b="1">
+                <a:latin typeface="Arial" panose="020B0604020202020204" pitchFamily="34" charset="0"/>
+                <a:cs typeface="Arial" panose="020B0604020202020204" pitchFamily="34" charset="0"/>
+              </a:rPr>
+              <a:t>example</a:t>
+            </a:r>
+            <a:r>
+              <a:rPr lang="az-Latn-AZ" sz="1300">
+                <a:latin typeface="Arial" panose="020B0604020202020204" pitchFamily="34" charset="0"/>
+                <a:cs typeface="Arial" panose="020B0604020202020204" pitchFamily="34" charset="0"/>
+              </a:rPr>
+              <a:t> istifadə etmişik. </a:t>
             </a:r>
           </a:p>
           <a:p>
@@ -4134,7 +4466,7 @@
 </p:sld>
 </file>
 
-<file path=ppt/slides/slide4.xml><?xml version="1.0" encoding="utf-8"?>
+<file path=ppt/slides/slide3.xml><?xml version="1.0" encoding="utf-8"?>
 <p:sld xmlns:a="http://schemas.openxmlformats.org/drawingml/2006/main" xmlns:r="http://schemas.openxmlformats.org/officeDocument/2006/relationships" xmlns:p="http://schemas.openxmlformats.org/presentationml/2006/main">
   <p:cSld>
     <p:spTree>
@@ -4171,8 +4503,8 @@
         </p:nvSpPr>
         <p:spPr>
           <a:xfrm>
-            <a:off x="217714" y="255046"/>
-            <a:ext cx="11756571" cy="655436"/>
+            <a:off x="217715" y="255046"/>
+            <a:ext cx="3232496" cy="678519"/>
           </a:xfrm>
           <a:prstGeom prst="rect">
             <a:avLst/>
@@ -4192,18 +4524,19 @@
               <a:buNone/>
             </a:pPr>
             <a:r>
-              <a:rPr kumimoji="0" lang="en-US" altLang="en-US" sz="1300" b="0" i="0" u="none" strike="noStrike" cap="none" normalizeH="0" baseline="0">
-                <a:ln>
-                  <a:noFill/>
-                </a:ln>
-                <a:solidFill>
-                  <a:schemeClr val="tx1"/>
-                </a:solidFill>
-                <a:effectLst/>
-                <a:latin typeface="Arial" panose="020B0604020202020204" pitchFamily="34" charset="0"/>
-              </a:rPr>
-              <a:t>.</a:t>
-            </a:r>
+              <a:rPr lang="en-US" sz="1400" b="1"/>
+              <a:t>Birdən çox parametr.</a:t>
+            </a:r>
+            <a:endParaRPr kumimoji="0" lang="en-US" altLang="en-US" sz="1300" b="0" i="0" u="none" strike="noStrike" cap="none" normalizeH="0" baseline="0">
+              <a:ln>
+                <a:noFill/>
+              </a:ln>
+              <a:solidFill>
+                <a:schemeClr val="tx1"/>
+              </a:solidFill>
+              <a:effectLst/>
+              <a:latin typeface="Arial" panose="020B0604020202020204" pitchFamily="34" charset="0"/>
+            </a:endParaRPr>
           </a:p>
           <a:p>
             <a:pPr>
@@ -4218,6 +4551,66 @@
           </a:p>
         </p:txBody>
       </p:sp>
+      <p:pic>
+        <p:nvPicPr>
+          <p:cNvPr id="4" name="Picture 3">
+            <a:extLst>
+              <a:ext uri="{FF2B5EF4-FFF2-40B4-BE49-F238E27FC236}">
+                <a16:creationId xmlns:a16="http://schemas.microsoft.com/office/drawing/2014/main" id="{1FB0BD79-D898-5759-C097-1A7C9D52BCCA}"/>
+              </a:ext>
+            </a:extLst>
+          </p:cNvPr>
+          <p:cNvPicPr>
+            <a:picLocks noChangeAspect="1"/>
+          </p:cNvPicPr>
+          <p:nvPr/>
+        </p:nvPicPr>
+        <p:blipFill>
+          <a:blip r:embed="rId2"/>
+          <a:stretch>
+            <a:fillRect/>
+          </a:stretch>
+        </p:blipFill>
+        <p:spPr>
+          <a:xfrm>
+            <a:off x="3584256" y="0"/>
+            <a:ext cx="8607744" cy="6858000"/>
+          </a:xfrm>
+          <a:prstGeom prst="rect">
+            <a:avLst/>
+          </a:prstGeom>
+        </p:spPr>
+      </p:pic>
+      <p:pic>
+        <p:nvPicPr>
+          <p:cNvPr id="6" name="Picture 5">
+            <a:extLst>
+              <a:ext uri="{FF2B5EF4-FFF2-40B4-BE49-F238E27FC236}">
+                <a16:creationId xmlns:a16="http://schemas.microsoft.com/office/drawing/2014/main" id="{0E93B6AB-7216-0673-BB1A-9709D3CC449C}"/>
+              </a:ext>
+            </a:extLst>
+          </p:cNvPr>
+          <p:cNvPicPr>
+            <a:picLocks noChangeAspect="1"/>
+          </p:cNvPicPr>
+          <p:nvPr/>
+        </p:nvPicPr>
+        <p:blipFill>
+          <a:blip r:embed="rId3"/>
+          <a:stretch>
+            <a:fillRect/>
+          </a:stretch>
+        </p:blipFill>
+        <p:spPr>
+          <a:xfrm>
+            <a:off x="0" y="6011359"/>
+            <a:ext cx="3454598" cy="846641"/>
+          </a:xfrm>
+          <a:prstGeom prst="rect">
+            <a:avLst/>
+          </a:prstGeom>
+        </p:spPr>
+      </p:pic>
     </p:spTree>
     <p:extLst>
       <p:ext uri="{BB962C8B-B14F-4D97-AF65-F5344CB8AC3E}">
@@ -4231,7 +4624,7 @@
 </p:sld>
 </file>
 
-<file path=ppt/slides/slide5.xml><?xml version="1.0" encoding="utf-8"?>
+<file path=ppt/slides/slide4.xml><?xml version="1.0" encoding="utf-8"?>
 <p:sld xmlns:a="http://schemas.openxmlformats.org/drawingml/2006/main" xmlns:r="http://schemas.openxmlformats.org/officeDocument/2006/relationships" xmlns:p="http://schemas.openxmlformats.org/presentationml/2006/main">
   <p:cSld>
     <p:spTree>
@@ -4319,6 +4712,103 @@
     <p:extLst>
       <p:ext uri="{BB962C8B-B14F-4D97-AF65-F5344CB8AC3E}">
         <p14:creationId xmlns:p14="http://schemas.microsoft.com/office/powerpoint/2010/main" val="540352283"/>
+      </p:ext>
+    </p:extLst>
+  </p:cSld>
+  <p:clrMapOvr>
+    <a:masterClrMapping/>
+  </p:clrMapOvr>
+</p:sld>
+</file>
+
+<file path=ppt/slides/slide5.xml><?xml version="1.0" encoding="utf-8"?>
+<p:sld xmlns:a="http://schemas.openxmlformats.org/drawingml/2006/main" xmlns:r="http://schemas.openxmlformats.org/officeDocument/2006/relationships" xmlns:p="http://schemas.openxmlformats.org/presentationml/2006/main">
+  <p:cSld>
+    <p:spTree>
+      <p:nvGrpSpPr>
+        <p:cNvPr id="1" name="">
+          <a:extLst>
+            <a:ext uri="{FF2B5EF4-FFF2-40B4-BE49-F238E27FC236}">
+              <a16:creationId xmlns:a16="http://schemas.microsoft.com/office/drawing/2014/main" id="{CEED8251-DEDE-1137-1536-C48103078E20}"/>
+            </a:ext>
+          </a:extLst>
+        </p:cNvPr>
+        <p:cNvGrpSpPr/>
+        <p:nvPr/>
+      </p:nvGrpSpPr>
+      <p:grpSpPr>
+        <a:xfrm>
+          <a:off x="0" y="0"/>
+          <a:ext cx="0" cy="0"/>
+          <a:chOff x="0" y="0"/>
+          <a:chExt cx="0" cy="0"/>
+        </a:xfrm>
+      </p:grpSpPr>
+      <p:sp>
+        <p:nvSpPr>
+          <p:cNvPr id="3" name="TextBox 2">
+            <a:extLst>
+              <a:ext uri="{FF2B5EF4-FFF2-40B4-BE49-F238E27FC236}">
+                <a16:creationId xmlns:a16="http://schemas.microsoft.com/office/drawing/2014/main" id="{C59039D0-4831-0EF7-8634-0767735823E0}"/>
+              </a:ext>
+            </a:extLst>
+          </p:cNvPr>
+          <p:cNvSpPr txBox="1"/>
+          <p:nvPr/>
+        </p:nvSpPr>
+        <p:spPr>
+          <a:xfrm>
+            <a:off x="217714" y="255046"/>
+            <a:ext cx="11756571" cy="655436"/>
+          </a:xfrm>
+          <a:prstGeom prst="rect">
+            <a:avLst/>
+          </a:prstGeom>
+          <a:noFill/>
+        </p:spPr>
+        <p:txBody>
+          <a:bodyPr wrap="square">
+            <a:spAutoFit/>
+          </a:bodyPr>
+          <a:lstStyle/>
+          <a:p>
+            <a:pPr>
+              <a:lnSpc>
+                <a:spcPct val="150000"/>
+              </a:lnSpc>
+              <a:buNone/>
+            </a:pPr>
+            <a:r>
+              <a:rPr kumimoji="0" lang="en-US" altLang="en-US" sz="1300" b="0" i="0" u="none" strike="noStrike" cap="none" normalizeH="0" baseline="0">
+                <a:ln>
+                  <a:noFill/>
+                </a:ln>
+                <a:solidFill>
+                  <a:schemeClr val="tx1"/>
+                </a:solidFill>
+                <a:effectLst/>
+                <a:latin typeface="Arial" panose="020B0604020202020204" pitchFamily="34" charset="0"/>
+              </a:rPr>
+              <a:t>.</a:t>
+            </a:r>
+          </a:p>
+          <a:p>
+            <a:pPr>
+              <a:lnSpc>
+                <a:spcPct val="150000"/>
+              </a:lnSpc>
+            </a:pPr>
+            <a:endParaRPr lang="en-US" sz="1300">
+              <a:latin typeface="Arial" panose="020B0604020202020204" pitchFamily="34" charset="0"/>
+              <a:cs typeface="Arial" panose="020B0604020202020204" pitchFamily="34" charset="0"/>
+            </a:endParaRPr>
+          </a:p>
+        </p:txBody>
+      </p:sp>
+    </p:spTree>
+    <p:extLst>
+      <p:ext uri="{BB962C8B-B14F-4D97-AF65-F5344CB8AC3E}">
+        <p14:creationId xmlns:p14="http://schemas.microsoft.com/office/powerpoint/2010/main" val="275914522"/>
       </p:ext>
     </p:extLst>
   </p:cSld>
